--- a/RDBMS.pptx
+++ b/RDBMS.pptx
@@ -5,10 +5,10 @@
     <p:sldMasterId id="2147483660" r:id="rId4"/>
   </p:sldMasterIdLst>
   <p:notesMasterIdLst>
-    <p:notesMasterId r:id="rId16"/>
+    <p:notesMasterId r:id="rId21"/>
   </p:notesMasterIdLst>
   <p:handoutMasterIdLst>
-    <p:handoutMasterId r:id="rId17"/>
+    <p:handoutMasterId r:id="rId22"/>
   </p:handoutMasterIdLst>
   <p:sldIdLst>
     <p:sldId id="256" r:id="rId5"/>
@@ -21,7 +21,12 @@
     <p:sldId id="276" r:id="rId12"/>
     <p:sldId id="283" r:id="rId13"/>
     <p:sldId id="284" r:id="rId14"/>
-    <p:sldId id="285" r:id="rId15"/>
+    <p:sldId id="286" r:id="rId15"/>
+    <p:sldId id="287" r:id="rId16"/>
+    <p:sldId id="288" r:id="rId17"/>
+    <p:sldId id="289" r:id="rId18"/>
+    <p:sldId id="290" r:id="rId19"/>
+    <p:sldId id="285" r:id="rId20"/>
   </p:sldIdLst>
   <p:sldSz cx="12192000" cy="6858000"/>
   <p:notesSz cx="6858000" cy="9144000"/>
@@ -139,6 +144,11 @@
             <p14:sldId id="276"/>
             <p14:sldId id="283"/>
             <p14:sldId id="284"/>
+            <p14:sldId id="286"/>
+            <p14:sldId id="287"/>
+            <p14:sldId id="288"/>
+            <p14:sldId id="289"/>
+            <p14:sldId id="290"/>
             <p14:sldId id="285"/>
           </p14:sldIdLst>
         </p14:section>
@@ -3261,6 +3271,356 @@
 </file>
 
 <file path=ppt/slides/slide11.xml><?xml version="1.0" encoding="utf-8"?>
+<p:sld xmlns:a="http://schemas.openxmlformats.org/drawingml/2006/main" xmlns:r="http://schemas.openxmlformats.org/officeDocument/2006/relationships" xmlns:p="http://schemas.openxmlformats.org/presentationml/2006/main">
+  <p:cSld>
+    <p:spTree>
+      <p:nvGrpSpPr>
+        <p:cNvPr id="1" name=""/>
+        <p:cNvGrpSpPr/>
+        <p:nvPr/>
+      </p:nvGrpSpPr>
+      <p:grpSpPr>
+        <a:xfrm>
+          <a:off x="0" y="0"/>
+          <a:ext cx="0" cy="0"/>
+          <a:chOff x="0" y="0"/>
+          <a:chExt cx="0" cy="0"/>
+        </a:xfrm>
+      </p:grpSpPr>
+      <p:sp>
+        <p:nvSpPr>
+          <p:cNvPr id="2" name="Titre 1">
+            <a:extLst>
+              <a:ext uri="{FF2B5EF4-FFF2-40B4-BE49-F238E27FC236}">
+                <a16:creationId xmlns:a16="http://schemas.microsoft.com/office/drawing/2014/main" id="{380B6028-A669-4785-9CF4-A3CFC35DA85D}"/>
+              </a:ext>
+            </a:extLst>
+          </p:cNvPr>
+          <p:cNvSpPr>
+            <a:spLocks noGrp="1"/>
+          </p:cNvSpPr>
+          <p:nvPr>
+            <p:ph type="title"/>
+          </p:nvPr>
+        </p:nvSpPr>
+        <p:spPr/>
+        <p:txBody>
+          <a:bodyPr/>
+          <a:lstStyle/>
+          <a:p>
+            <a:r>
+              <a:rPr lang="fr-FR" dirty="0"/>
+              <a:t>PostgreSQL vs SQL Server</a:t>
+            </a:r>
+          </a:p>
+        </p:txBody>
+      </p:sp>
+      <p:sp>
+        <p:nvSpPr>
+          <p:cNvPr id="3" name="Espace réservé du contenu 2">
+            <a:extLst>
+              <a:ext uri="{FF2B5EF4-FFF2-40B4-BE49-F238E27FC236}">
+                <a16:creationId xmlns:a16="http://schemas.microsoft.com/office/drawing/2014/main" id="{C5368F57-ABD8-4F44-9BEF-6339FCCF9B24}"/>
+              </a:ext>
+            </a:extLst>
+          </p:cNvPr>
+          <p:cNvSpPr>
+            <a:spLocks noGrp="1"/>
+          </p:cNvSpPr>
+          <p:nvPr>
+            <p:ph sz="quarter" idx="10"/>
+          </p:nvPr>
+        </p:nvSpPr>
+        <p:spPr>
+          <a:xfrm>
+            <a:off x="539495" y="1435607"/>
+            <a:ext cx="11122417" cy="2791835"/>
+          </a:xfrm>
+        </p:spPr>
+        <p:txBody>
+          <a:bodyPr>
+            <a:normAutofit/>
+          </a:bodyPr>
+          <a:lstStyle/>
+          <a:p>
+            <a:r>
+              <a:rPr lang="en-US" dirty="0">
+                <a:solidFill>
+                  <a:prstClr val="black">
+                    <a:lumMod val="75000"/>
+                    <a:lumOff val="25000"/>
+                  </a:prstClr>
+                </a:solidFill>
+                <a:latin typeface="Segoe UI" panose="020B0502040204020203" pitchFamily="34" charset="0"/>
+                <a:cs typeface="Segoe UI" panose="020B0502040204020203" pitchFamily="34" charset="0"/>
+              </a:rPr>
+              <a:t>PostgreSQL and SQL Server (or MSSQL) are two widely used relational databases. Although they share a number of core traits, there are major differences between them. In this article, we provide a detailed rundown of the similarities and differences between PostgreSQL and SQL Server. Among the most significant distinctions is that PostgreSQL is open source, while SQL Server is owned and licensed by Microsoft. In addition, you will learn about differences between the two systems when it comes to licensing and cost, ease of use, SQL syntax and compliance, data types, available features, performance, and security, among many others. Over 40 topics are covered in head-to-head comparisons. It will be particularly useful for organizations who are thinking of making the switch from a commercial to an open-source database, but need more information on the possible trade-offs and advantages of the two systems. However, it is intended for anyone who is curious to learn more about relational databases. We conclude that SQL Server has historically been popular with organizations that rely on other Microsoft products, but PostgreSQL has risen to the top of the field not only because of the advantages of going open source but also for its robust features and active community of users. </a:t>
+            </a:r>
+          </a:p>
+          <a:p>
+            <a:endParaRPr lang="fr-FR" dirty="0">
+              <a:solidFill>
+                <a:prstClr val="black">
+                  <a:lumMod val="75000"/>
+                  <a:lumOff val="25000"/>
+                </a:prstClr>
+              </a:solidFill>
+              <a:latin typeface="Segoe UI" panose="020B0502040204020203" pitchFamily="34" charset="0"/>
+              <a:cs typeface="Segoe UI" panose="020B0502040204020203" pitchFamily="34" charset="0"/>
+            </a:endParaRPr>
+          </a:p>
+        </p:txBody>
+      </p:sp>
+    </p:spTree>
+    <p:extLst>
+      <p:ext uri="{BB962C8B-B14F-4D97-AF65-F5344CB8AC3E}">
+        <p14:creationId xmlns:p14="http://schemas.microsoft.com/office/powerpoint/2010/main" val="41401902"/>
+      </p:ext>
+    </p:extLst>
+  </p:cSld>
+  <p:clrMapOvr>
+    <a:masterClrMapping/>
+  </p:clrMapOvr>
+</p:sld>
+</file>
+
+<file path=ppt/slides/slide12.xml><?xml version="1.0" encoding="utf-8"?>
+<p:sld xmlns:a="http://schemas.openxmlformats.org/drawingml/2006/main" xmlns:r="http://schemas.openxmlformats.org/officeDocument/2006/relationships" xmlns:p="http://schemas.openxmlformats.org/presentationml/2006/main">
+  <p:cSld>
+    <p:spTree>
+      <p:nvGrpSpPr>
+        <p:cNvPr id="1" name=""/>
+        <p:cNvGrpSpPr/>
+        <p:nvPr/>
+      </p:nvGrpSpPr>
+      <p:grpSpPr>
+        <a:xfrm>
+          <a:off x="0" y="0"/>
+          <a:ext cx="0" cy="0"/>
+          <a:chOff x="0" y="0"/>
+          <a:chExt cx="0" cy="0"/>
+        </a:xfrm>
+      </p:grpSpPr>
+      <p:pic>
+        <p:nvPicPr>
+          <p:cNvPr id="7" name="Espace réservé du contenu 6">
+            <a:extLst>
+              <a:ext uri="{FF2B5EF4-FFF2-40B4-BE49-F238E27FC236}">
+                <a16:creationId xmlns:a16="http://schemas.microsoft.com/office/drawing/2014/main" id="{C1FB8C6D-8A35-4AD2-B564-EF6C74D8374A}"/>
+              </a:ext>
+            </a:extLst>
+          </p:cNvPr>
+          <p:cNvPicPr>
+            <a:picLocks noGrp="1" noChangeAspect="1"/>
+          </p:cNvPicPr>
+          <p:nvPr>
+            <p:ph sz="quarter" idx="13"/>
+          </p:nvPr>
+        </p:nvPicPr>
+        <p:blipFill>
+          <a:blip r:embed="rId2"/>
+          <a:stretch>
+            <a:fillRect/>
+          </a:stretch>
+        </p:blipFill>
+        <p:spPr>
+          <a:xfrm>
+            <a:off x="278296" y="2332383"/>
+            <a:ext cx="11688417" cy="4267200"/>
+          </a:xfrm>
+        </p:spPr>
+      </p:pic>
+    </p:spTree>
+    <p:extLst>
+      <p:ext uri="{BB962C8B-B14F-4D97-AF65-F5344CB8AC3E}">
+        <p14:creationId xmlns:p14="http://schemas.microsoft.com/office/powerpoint/2010/main" val="1717979785"/>
+      </p:ext>
+    </p:extLst>
+  </p:cSld>
+  <p:clrMapOvr>
+    <a:masterClrMapping/>
+  </p:clrMapOvr>
+</p:sld>
+</file>
+
+<file path=ppt/slides/slide13.xml><?xml version="1.0" encoding="utf-8"?>
+<p:sld xmlns:a="http://schemas.openxmlformats.org/drawingml/2006/main" xmlns:r="http://schemas.openxmlformats.org/officeDocument/2006/relationships" xmlns:p="http://schemas.openxmlformats.org/presentationml/2006/main">
+  <p:cSld>
+    <p:spTree>
+      <p:nvGrpSpPr>
+        <p:cNvPr id="1" name=""/>
+        <p:cNvGrpSpPr/>
+        <p:nvPr/>
+      </p:nvGrpSpPr>
+      <p:grpSpPr>
+        <a:xfrm>
+          <a:off x="0" y="0"/>
+          <a:ext cx="0" cy="0"/>
+          <a:chOff x="0" y="0"/>
+          <a:chExt cx="0" cy="0"/>
+        </a:xfrm>
+      </p:grpSpPr>
+      <p:pic>
+        <p:nvPicPr>
+          <p:cNvPr id="5" name="Espace réservé du contenu 4">
+            <a:extLst>
+              <a:ext uri="{FF2B5EF4-FFF2-40B4-BE49-F238E27FC236}">
+                <a16:creationId xmlns:a16="http://schemas.microsoft.com/office/drawing/2014/main" id="{D97E9D1D-D154-4C9D-86E8-10D967B4DF06}"/>
+              </a:ext>
+            </a:extLst>
+          </p:cNvPr>
+          <p:cNvPicPr>
+            <a:picLocks noGrp="1" noChangeAspect="1"/>
+          </p:cNvPicPr>
+          <p:nvPr>
+            <p:ph sz="quarter" idx="13"/>
+          </p:nvPr>
+        </p:nvPicPr>
+        <p:blipFill>
+          <a:blip r:embed="rId2"/>
+          <a:stretch>
+            <a:fillRect/>
+          </a:stretch>
+        </p:blipFill>
+        <p:spPr>
+          <a:xfrm>
+            <a:off x="265044" y="2345635"/>
+            <a:ext cx="11648660" cy="3922849"/>
+          </a:xfrm>
+        </p:spPr>
+      </p:pic>
+    </p:spTree>
+    <p:extLst>
+      <p:ext uri="{BB962C8B-B14F-4D97-AF65-F5344CB8AC3E}">
+        <p14:creationId xmlns:p14="http://schemas.microsoft.com/office/powerpoint/2010/main" val="1836056649"/>
+      </p:ext>
+    </p:extLst>
+  </p:cSld>
+  <p:clrMapOvr>
+    <a:masterClrMapping/>
+  </p:clrMapOvr>
+</p:sld>
+</file>
+
+<file path=ppt/slides/slide14.xml><?xml version="1.0" encoding="utf-8"?>
+<p:sld xmlns:a="http://schemas.openxmlformats.org/drawingml/2006/main" xmlns:r="http://schemas.openxmlformats.org/officeDocument/2006/relationships" xmlns:p="http://schemas.openxmlformats.org/presentationml/2006/main">
+  <p:cSld>
+    <p:spTree>
+      <p:nvGrpSpPr>
+        <p:cNvPr id="1" name=""/>
+        <p:cNvGrpSpPr/>
+        <p:nvPr/>
+      </p:nvGrpSpPr>
+      <p:grpSpPr>
+        <a:xfrm>
+          <a:off x="0" y="0"/>
+          <a:ext cx="0" cy="0"/>
+          <a:chOff x="0" y="0"/>
+          <a:chExt cx="0" cy="0"/>
+        </a:xfrm>
+      </p:grpSpPr>
+      <p:pic>
+        <p:nvPicPr>
+          <p:cNvPr id="5" name="Espace réservé du contenu 4">
+            <a:extLst>
+              <a:ext uri="{FF2B5EF4-FFF2-40B4-BE49-F238E27FC236}">
+                <a16:creationId xmlns:a16="http://schemas.microsoft.com/office/drawing/2014/main" id="{C72DCDC2-65BA-44B8-9CA8-460DD0BA10E8}"/>
+              </a:ext>
+            </a:extLst>
+          </p:cNvPr>
+          <p:cNvPicPr>
+            <a:picLocks noGrp="1" noChangeAspect="1"/>
+          </p:cNvPicPr>
+          <p:nvPr>
+            <p:ph sz="quarter" idx="13"/>
+          </p:nvPr>
+        </p:nvPicPr>
+        <p:blipFill>
+          <a:blip r:embed="rId2"/>
+          <a:stretch>
+            <a:fillRect/>
+          </a:stretch>
+        </p:blipFill>
+        <p:spPr>
+          <a:xfrm>
+            <a:off x="257375" y="2345635"/>
+            <a:ext cx="11682834" cy="4253948"/>
+          </a:xfrm>
+        </p:spPr>
+      </p:pic>
+    </p:spTree>
+    <p:extLst>
+      <p:ext uri="{BB962C8B-B14F-4D97-AF65-F5344CB8AC3E}">
+        <p14:creationId xmlns:p14="http://schemas.microsoft.com/office/powerpoint/2010/main" val="2859949495"/>
+      </p:ext>
+    </p:extLst>
+  </p:cSld>
+  <p:clrMapOvr>
+    <a:masterClrMapping/>
+  </p:clrMapOvr>
+</p:sld>
+</file>
+
+<file path=ppt/slides/slide15.xml><?xml version="1.0" encoding="utf-8"?>
+<p:sld xmlns:a="http://schemas.openxmlformats.org/drawingml/2006/main" xmlns:r="http://schemas.openxmlformats.org/officeDocument/2006/relationships" xmlns:p="http://schemas.openxmlformats.org/presentationml/2006/main">
+  <p:cSld>
+    <p:spTree>
+      <p:nvGrpSpPr>
+        <p:cNvPr id="1" name=""/>
+        <p:cNvGrpSpPr/>
+        <p:nvPr/>
+      </p:nvGrpSpPr>
+      <p:grpSpPr>
+        <a:xfrm>
+          <a:off x="0" y="0"/>
+          <a:ext cx="0" cy="0"/>
+          <a:chOff x="0" y="0"/>
+          <a:chExt cx="0" cy="0"/>
+        </a:xfrm>
+      </p:grpSpPr>
+      <p:pic>
+        <p:nvPicPr>
+          <p:cNvPr id="5" name="Espace réservé du contenu 4">
+            <a:extLst>
+              <a:ext uri="{FF2B5EF4-FFF2-40B4-BE49-F238E27FC236}">
+                <a16:creationId xmlns:a16="http://schemas.microsoft.com/office/drawing/2014/main" id="{54F913C1-F976-4361-AEE5-19563449D7B3}"/>
+              </a:ext>
+            </a:extLst>
+          </p:cNvPr>
+          <p:cNvPicPr>
+            <a:picLocks noGrp="1" noChangeAspect="1"/>
+          </p:cNvPicPr>
+          <p:nvPr>
+            <p:ph sz="quarter" idx="13"/>
+          </p:nvPr>
+        </p:nvPicPr>
+        <p:blipFill>
+          <a:blip r:embed="rId2"/>
+          <a:stretch>
+            <a:fillRect/>
+          </a:stretch>
+        </p:blipFill>
+        <p:spPr>
+          <a:xfrm>
+            <a:off x="225287" y="2358887"/>
+            <a:ext cx="11661913" cy="4090597"/>
+          </a:xfrm>
+        </p:spPr>
+      </p:pic>
+    </p:spTree>
+    <p:extLst>
+      <p:ext uri="{BB962C8B-B14F-4D97-AF65-F5344CB8AC3E}">
+        <p14:creationId xmlns:p14="http://schemas.microsoft.com/office/powerpoint/2010/main" val="1190204415"/>
+      </p:ext>
+    </p:extLst>
+  </p:cSld>
+  <p:clrMapOvr>
+    <a:masterClrMapping/>
+  </p:clrMapOvr>
+</p:sld>
+</file>
+
+<file path=ppt/slides/slide16.xml><?xml version="1.0" encoding="utf-8"?>
 <p:sld xmlns:a="http://schemas.openxmlformats.org/drawingml/2006/main" xmlns:r="http://schemas.openxmlformats.org/officeDocument/2006/relationships" xmlns:p="http://schemas.openxmlformats.org/presentationml/2006/main">
   <p:cSld>
     <p:spTree>
@@ -8673,15 +9033,6 @@
 </file>
 
 <file path=customXml/item2.xml><?xml version="1.0" encoding="utf-8"?>
-<?mso-contentType ?>
-<FormTemplates xmlns="http://schemas.microsoft.com/sharepoint/v3/contenttype/forms">
-  <Display>DocumentLibraryForm</Display>
-  <Edit>DocumentLibraryForm</Edit>
-  <New>DocumentLibraryForm</New>
-</FormTemplates>
-</file>
-
-<file path=customXml/item3.xml><?xml version="1.0" encoding="utf-8"?>
 <ct:contentTypeSchema xmlns:ct="http://schemas.microsoft.com/office/2006/metadata/contentType" xmlns:ma="http://schemas.microsoft.com/office/2006/metadata/properties/metaAttributes" ct:_="" ma:_="" ma:contentTypeName="Document" ma:contentTypeID="0x01010079F111ED35F8CC479449609E8A0923A6" ma:contentTypeVersion="12" ma:contentTypeDescription="Create a new document." ma:contentTypeScope="" ma:versionID="a8a52e8c320b9a064ae3583ae3861c92">
   <xsd:schema xmlns:xsd="http://www.w3.org/2001/XMLSchema" xmlns:xs="http://www.w3.org/2001/XMLSchema" xmlns:p="http://schemas.microsoft.com/office/2006/metadata/properties" xmlns:ns2="71af3243-3dd4-4a8d-8c0d-dd76da1f02a5" xmlns:ns3="16c05727-aa75-4e4a-9b5f-8a80a1165891" targetNamespace="http://schemas.microsoft.com/office/2006/metadata/properties" ma:root="true" ma:fieldsID="88020cb39231a0945110f9cd888b521a" ns2:_="" ns3:_="">
     <xsd:import namespace="71af3243-3dd4-4a8d-8c0d-dd76da1f02a5"/>
@@ -8902,6 +9253,15 @@
 </ct:contentTypeSchema>
 </file>
 
+<file path=customXml/item3.xml><?xml version="1.0" encoding="utf-8"?>
+<?mso-contentType ?>
+<FormTemplates xmlns="http://schemas.microsoft.com/sharepoint/v3/contenttype/forms">
+  <Display>DocumentLibraryForm</Display>
+  <Edit>DocumentLibraryForm</Edit>
+  <New>DocumentLibraryForm</New>
+</FormTemplates>
+</file>
+
 <file path=customXml/itemProps1.xml><?xml version="1.0" encoding="utf-8"?>
 <ds:datastoreItem xmlns:ds="http://schemas.openxmlformats.org/officeDocument/2006/customXml" ds:itemID="{950072C5-DDE0-4258-BA7A-4D4B80DFA632}">
   <ds:schemaRefs>
@@ -8913,14 +9273,6 @@
 </file>
 
 <file path=customXml/itemProps2.xml><?xml version="1.0" encoding="utf-8"?>
-<ds:datastoreItem xmlns:ds="http://schemas.openxmlformats.org/officeDocument/2006/customXml" ds:itemID="{7EE8C63A-4744-4DE4-BB49-0FF0B5375C60}">
-  <ds:schemaRefs>
-    <ds:schemaRef ds:uri="http://schemas.microsoft.com/sharepoint/v3/contenttype/forms"/>
-  </ds:schemaRefs>
-</ds:datastoreItem>
-</file>
-
-<file path=customXml/itemProps3.xml><?xml version="1.0" encoding="utf-8"?>
 <ds:datastoreItem xmlns:ds="http://schemas.openxmlformats.org/officeDocument/2006/customXml" ds:itemID="{FD7FC771-7DFE-49DA-B577-71181BFBCB2E}">
   <ds:schemaRefs>
     <ds:schemaRef ds:uri="http://schemas.microsoft.com/office/2006/metadata/contentType"/>
@@ -8937,4 +9289,12 @@
     <ds:schemaRef ds:uri="http://schemas.microsoft.com/internal/obd"/>
   </ds:schemaRefs>
 </ds:datastoreItem>
+</file>
+
+<file path=customXml/itemProps3.xml><?xml version="1.0" encoding="utf-8"?>
+<ds:datastoreItem xmlns:ds="http://schemas.openxmlformats.org/officeDocument/2006/customXml" ds:itemID="{7EE8C63A-4744-4DE4-BB49-0FF0B5375C60}">
+  <ds:schemaRefs>
+    <ds:schemaRef ds:uri="http://schemas.microsoft.com/sharepoint/v3/contenttype/forms"/>
+  </ds:schemaRefs>
+</ds:datastoreItem>
 </file>